--- a/ppt 16-9/1519.宝贵十架.pptx
+++ b/ppt 16-9/1519.宝贵十架.pptx
@@ -5,7 +5,7 @@
     <p:sldMasterId id="2147483648" r:id="rId1"/>
   </p:sldMasterIdLst>
   <p:sldIdLst>
-    <p:sldId id="3363" r:id="rId2"/>
+    <p:sldId id="3365" r:id="rId2"/>
   </p:sldIdLst>
   <p:sldSz cx="12192000" cy="6858000"/>
   <p:notesSz cx="6858000" cy="9144000"/>
@@ -129,7 +129,7 @@
           <p:cNvPr id="2" name="标题 1">
             <a:extLst>
               <a:ext uri="{FF2B5EF4-FFF2-40B4-BE49-F238E27FC236}">
-                <a16:creationId xmlns:a16="http://schemas.microsoft.com/office/drawing/2014/main" id="{959840B9-9223-9AA8-D3CB-1784002F5047}"/>
+                <a16:creationId xmlns:a16="http://schemas.microsoft.com/office/drawing/2014/main" id="{2EF2F129-B2CE-BFE8-6F7B-2A50F7CE35DA}"/>
               </a:ext>
             </a:extLst>
           </p:cNvPr>
@@ -166,7 +166,7 @@
           <p:cNvPr id="3" name="副标题 2">
             <a:extLst>
               <a:ext uri="{FF2B5EF4-FFF2-40B4-BE49-F238E27FC236}">
-                <a16:creationId xmlns:a16="http://schemas.microsoft.com/office/drawing/2014/main" id="{30F65899-5E4D-642F-FA13-64BCD7488837}"/>
+                <a16:creationId xmlns:a16="http://schemas.microsoft.com/office/drawing/2014/main" id="{9D7A53BA-110E-4CA1-B01A-42E363D3DF2E}"/>
               </a:ext>
             </a:extLst>
           </p:cNvPr>
@@ -236,7 +236,7 @@
           <p:cNvPr id="4" name="日期占位符 3">
             <a:extLst>
               <a:ext uri="{FF2B5EF4-FFF2-40B4-BE49-F238E27FC236}">
-                <a16:creationId xmlns:a16="http://schemas.microsoft.com/office/drawing/2014/main" id="{687B2D44-8F1D-5EA3-0517-31F4ECB94ABF}"/>
+                <a16:creationId xmlns:a16="http://schemas.microsoft.com/office/drawing/2014/main" id="{158969A7-68C3-A576-6317-2B7BE0060A75}"/>
               </a:ext>
             </a:extLst>
           </p:cNvPr>
@@ -252,7 +252,7 @@
           <a:bodyPr/>
           <a:lstStyle/>
           <a:p>
-            <a:fld id="{99F58098-FED0-4FC2-8B42-C8EA4C9F7508}" type="datetimeFigureOut">
+            <a:fld id="{BF1D831F-2A4F-445B-A827-8B7217B10D15}" type="datetimeFigureOut">
               <a:rPr lang="zh-CN" altLang="en-US" smtClean="0"/>
               <a:t>2024/3/10</a:t>
             </a:fld>
@@ -265,7 +265,7 @@
           <p:cNvPr id="5" name="页脚占位符 4">
             <a:extLst>
               <a:ext uri="{FF2B5EF4-FFF2-40B4-BE49-F238E27FC236}">
-                <a16:creationId xmlns:a16="http://schemas.microsoft.com/office/drawing/2014/main" id="{49B598B8-C400-81E3-AC5C-9736E70F2679}"/>
+                <a16:creationId xmlns:a16="http://schemas.microsoft.com/office/drawing/2014/main" id="{B3AD4E81-14C0-9ACA-B61D-355E3835EA64}"/>
               </a:ext>
             </a:extLst>
           </p:cNvPr>
@@ -290,7 +290,7 @@
           <p:cNvPr id="6" name="灯片编号占位符 5">
             <a:extLst>
               <a:ext uri="{FF2B5EF4-FFF2-40B4-BE49-F238E27FC236}">
-                <a16:creationId xmlns:a16="http://schemas.microsoft.com/office/drawing/2014/main" id="{2CFA648A-E2E5-FD52-F3B4-E03FEFA441C1}"/>
+                <a16:creationId xmlns:a16="http://schemas.microsoft.com/office/drawing/2014/main" id="{630660CD-6EA6-3737-1F3A-D236D6DAAA22}"/>
               </a:ext>
             </a:extLst>
           </p:cNvPr>
@@ -306,7 +306,7 @@
           <a:bodyPr/>
           <a:lstStyle/>
           <a:p>
-            <a:fld id="{28A6C95A-EBAC-45B8-8B59-92DD1B33FDFA}" type="slidenum">
+            <a:fld id="{03EECF80-6E66-413C-A586-BC60A4771592}" type="slidenum">
               <a:rPr lang="zh-CN" altLang="en-US" smtClean="0"/>
               <a:t>‹#›</a:t>
             </a:fld>
@@ -317,7 +317,7 @@
     </p:spTree>
     <p:extLst>
       <p:ext uri="{BB962C8B-B14F-4D97-AF65-F5344CB8AC3E}">
-        <p14:creationId xmlns:p14="http://schemas.microsoft.com/office/powerpoint/2010/main" val="4058021733"/>
+        <p14:creationId xmlns:p14="http://schemas.microsoft.com/office/powerpoint/2010/main" val="1002830007"/>
       </p:ext>
     </p:extLst>
   </p:cSld>
@@ -349,7 +349,7 @@
           <p:cNvPr id="2" name="标题 1">
             <a:extLst>
               <a:ext uri="{FF2B5EF4-FFF2-40B4-BE49-F238E27FC236}">
-                <a16:creationId xmlns:a16="http://schemas.microsoft.com/office/drawing/2014/main" id="{5B80E62B-B09D-B56E-5CA0-7090109E289E}"/>
+                <a16:creationId xmlns:a16="http://schemas.microsoft.com/office/drawing/2014/main" id="{E9D8C1AF-F5E5-31CC-3BC6-4BFC9CF39859}"/>
               </a:ext>
             </a:extLst>
           </p:cNvPr>
@@ -377,7 +377,7 @@
           <p:cNvPr id="3" name="竖排文字占位符 2">
             <a:extLst>
               <a:ext uri="{FF2B5EF4-FFF2-40B4-BE49-F238E27FC236}">
-                <a16:creationId xmlns:a16="http://schemas.microsoft.com/office/drawing/2014/main" id="{713EFF0F-5088-4A06-F927-E6F35048C761}"/>
+                <a16:creationId xmlns:a16="http://schemas.microsoft.com/office/drawing/2014/main" id="{576878B1-9EA8-5030-00B6-E8E88260C0AC}"/>
               </a:ext>
             </a:extLst>
           </p:cNvPr>
@@ -434,7 +434,7 @@
           <p:cNvPr id="4" name="日期占位符 3">
             <a:extLst>
               <a:ext uri="{FF2B5EF4-FFF2-40B4-BE49-F238E27FC236}">
-                <a16:creationId xmlns:a16="http://schemas.microsoft.com/office/drawing/2014/main" id="{F89613C9-03BB-3B6C-5110-6CB3F9EA731A}"/>
+                <a16:creationId xmlns:a16="http://schemas.microsoft.com/office/drawing/2014/main" id="{DF4FF2EC-169C-0D48-53F2-EF3CA8928C5C}"/>
               </a:ext>
             </a:extLst>
           </p:cNvPr>
@@ -450,7 +450,7 @@
           <a:bodyPr/>
           <a:lstStyle/>
           <a:p>
-            <a:fld id="{99F58098-FED0-4FC2-8B42-C8EA4C9F7508}" type="datetimeFigureOut">
+            <a:fld id="{BF1D831F-2A4F-445B-A827-8B7217B10D15}" type="datetimeFigureOut">
               <a:rPr lang="zh-CN" altLang="en-US" smtClean="0"/>
               <a:t>2024/3/10</a:t>
             </a:fld>
@@ -463,7 +463,7 @@
           <p:cNvPr id="5" name="页脚占位符 4">
             <a:extLst>
               <a:ext uri="{FF2B5EF4-FFF2-40B4-BE49-F238E27FC236}">
-                <a16:creationId xmlns:a16="http://schemas.microsoft.com/office/drawing/2014/main" id="{1AB7270F-5341-8828-C8E1-EF4A5B94DAE1}"/>
+                <a16:creationId xmlns:a16="http://schemas.microsoft.com/office/drawing/2014/main" id="{834FDE5E-B161-6CD9-6630-27EDB7C05C50}"/>
               </a:ext>
             </a:extLst>
           </p:cNvPr>
@@ -488,7 +488,7 @@
           <p:cNvPr id="6" name="灯片编号占位符 5">
             <a:extLst>
               <a:ext uri="{FF2B5EF4-FFF2-40B4-BE49-F238E27FC236}">
-                <a16:creationId xmlns:a16="http://schemas.microsoft.com/office/drawing/2014/main" id="{5ED549BF-5232-9730-A7EC-9DCF341F16C1}"/>
+                <a16:creationId xmlns:a16="http://schemas.microsoft.com/office/drawing/2014/main" id="{84B13519-D26D-A577-93F0-DA1CFCF7C1A2}"/>
               </a:ext>
             </a:extLst>
           </p:cNvPr>
@@ -504,7 +504,7 @@
           <a:bodyPr/>
           <a:lstStyle/>
           <a:p>
-            <a:fld id="{28A6C95A-EBAC-45B8-8B59-92DD1B33FDFA}" type="slidenum">
+            <a:fld id="{03EECF80-6E66-413C-A586-BC60A4771592}" type="slidenum">
               <a:rPr lang="zh-CN" altLang="en-US" smtClean="0"/>
               <a:t>‹#›</a:t>
             </a:fld>
@@ -515,7 +515,7 @@
     </p:spTree>
     <p:extLst>
       <p:ext uri="{BB962C8B-B14F-4D97-AF65-F5344CB8AC3E}">
-        <p14:creationId xmlns:p14="http://schemas.microsoft.com/office/powerpoint/2010/main" val="2663701022"/>
+        <p14:creationId xmlns:p14="http://schemas.microsoft.com/office/powerpoint/2010/main" val="3247134698"/>
       </p:ext>
     </p:extLst>
   </p:cSld>
@@ -547,7 +547,7 @@
           <p:cNvPr id="2" name="竖排标题 1">
             <a:extLst>
               <a:ext uri="{FF2B5EF4-FFF2-40B4-BE49-F238E27FC236}">
-                <a16:creationId xmlns:a16="http://schemas.microsoft.com/office/drawing/2014/main" id="{04426707-A9CE-E800-98CB-F96BAB920B53}"/>
+                <a16:creationId xmlns:a16="http://schemas.microsoft.com/office/drawing/2014/main" id="{C9D27591-A09A-7469-539F-FDA5C40930AC}"/>
               </a:ext>
             </a:extLst>
           </p:cNvPr>
@@ -580,7 +580,7 @@
           <p:cNvPr id="3" name="竖排文字占位符 2">
             <a:extLst>
               <a:ext uri="{FF2B5EF4-FFF2-40B4-BE49-F238E27FC236}">
-                <a16:creationId xmlns:a16="http://schemas.microsoft.com/office/drawing/2014/main" id="{4E488C29-B5AA-DA96-EE3E-4D8BC9E0DB2F}"/>
+                <a16:creationId xmlns:a16="http://schemas.microsoft.com/office/drawing/2014/main" id="{91A53071-7CFD-96AF-A0B8-63D6B6B5D8E8}"/>
               </a:ext>
             </a:extLst>
           </p:cNvPr>
@@ -642,7 +642,7 @@
           <p:cNvPr id="4" name="日期占位符 3">
             <a:extLst>
               <a:ext uri="{FF2B5EF4-FFF2-40B4-BE49-F238E27FC236}">
-                <a16:creationId xmlns:a16="http://schemas.microsoft.com/office/drawing/2014/main" id="{D0026FF0-699E-AF73-AFEE-6F65F93B8966}"/>
+                <a16:creationId xmlns:a16="http://schemas.microsoft.com/office/drawing/2014/main" id="{EC0BAFAD-27AF-4DE1-68C1-38027D5BD4A6}"/>
               </a:ext>
             </a:extLst>
           </p:cNvPr>
@@ -658,7 +658,7 @@
           <a:bodyPr/>
           <a:lstStyle/>
           <a:p>
-            <a:fld id="{99F58098-FED0-4FC2-8B42-C8EA4C9F7508}" type="datetimeFigureOut">
+            <a:fld id="{BF1D831F-2A4F-445B-A827-8B7217B10D15}" type="datetimeFigureOut">
               <a:rPr lang="zh-CN" altLang="en-US" smtClean="0"/>
               <a:t>2024/3/10</a:t>
             </a:fld>
@@ -671,7 +671,7 @@
           <p:cNvPr id="5" name="页脚占位符 4">
             <a:extLst>
               <a:ext uri="{FF2B5EF4-FFF2-40B4-BE49-F238E27FC236}">
-                <a16:creationId xmlns:a16="http://schemas.microsoft.com/office/drawing/2014/main" id="{020BBE16-5353-31E9-8A0A-545BCDE9F916}"/>
+                <a16:creationId xmlns:a16="http://schemas.microsoft.com/office/drawing/2014/main" id="{66FF93C2-838D-8317-01F3-993180032F26}"/>
               </a:ext>
             </a:extLst>
           </p:cNvPr>
@@ -696,7 +696,7 @@
           <p:cNvPr id="6" name="灯片编号占位符 5">
             <a:extLst>
               <a:ext uri="{FF2B5EF4-FFF2-40B4-BE49-F238E27FC236}">
-                <a16:creationId xmlns:a16="http://schemas.microsoft.com/office/drawing/2014/main" id="{DFF7ACAF-4B94-B61F-AFCD-10676133E44C}"/>
+                <a16:creationId xmlns:a16="http://schemas.microsoft.com/office/drawing/2014/main" id="{A6E5DDDF-F671-BCCD-DAB4-F6EBC7D0F7DD}"/>
               </a:ext>
             </a:extLst>
           </p:cNvPr>
@@ -712,7 +712,7 @@
           <a:bodyPr/>
           <a:lstStyle/>
           <a:p>
-            <a:fld id="{28A6C95A-EBAC-45B8-8B59-92DD1B33FDFA}" type="slidenum">
+            <a:fld id="{03EECF80-6E66-413C-A586-BC60A4771592}" type="slidenum">
               <a:rPr lang="zh-CN" altLang="en-US" smtClean="0"/>
               <a:t>‹#›</a:t>
             </a:fld>
@@ -723,7 +723,7 @@
     </p:spTree>
     <p:extLst>
       <p:ext uri="{BB962C8B-B14F-4D97-AF65-F5344CB8AC3E}">
-        <p14:creationId xmlns:p14="http://schemas.microsoft.com/office/powerpoint/2010/main" val="2166713058"/>
+        <p14:creationId xmlns:p14="http://schemas.microsoft.com/office/powerpoint/2010/main" val="590630755"/>
       </p:ext>
     </p:extLst>
   </p:cSld>
@@ -755,7 +755,7 @@
           <p:cNvPr id="2" name="标题 1">
             <a:extLst>
               <a:ext uri="{FF2B5EF4-FFF2-40B4-BE49-F238E27FC236}">
-                <a16:creationId xmlns:a16="http://schemas.microsoft.com/office/drawing/2014/main" id="{F60B8612-214D-ABF0-2317-032AD06376F5}"/>
+                <a16:creationId xmlns:a16="http://schemas.microsoft.com/office/drawing/2014/main" id="{E2CC9882-565F-A480-82D5-290CA64EA2EB}"/>
               </a:ext>
             </a:extLst>
           </p:cNvPr>
@@ -783,7 +783,7 @@
           <p:cNvPr id="3" name="内容占位符 2">
             <a:extLst>
               <a:ext uri="{FF2B5EF4-FFF2-40B4-BE49-F238E27FC236}">
-                <a16:creationId xmlns:a16="http://schemas.microsoft.com/office/drawing/2014/main" id="{EF6DB545-9A2C-EE92-86C8-58DA9F7AA6C4}"/>
+                <a16:creationId xmlns:a16="http://schemas.microsoft.com/office/drawing/2014/main" id="{B4CAA3EA-78CD-1662-18CE-D05BCF4B4697}"/>
               </a:ext>
             </a:extLst>
           </p:cNvPr>
@@ -840,7 +840,7 @@
           <p:cNvPr id="4" name="日期占位符 3">
             <a:extLst>
               <a:ext uri="{FF2B5EF4-FFF2-40B4-BE49-F238E27FC236}">
-                <a16:creationId xmlns:a16="http://schemas.microsoft.com/office/drawing/2014/main" id="{11CA2768-2BA5-E9B7-C3F1-953CF1265EE9}"/>
+                <a16:creationId xmlns:a16="http://schemas.microsoft.com/office/drawing/2014/main" id="{643DA64B-443A-B720-1584-D97339042A00}"/>
               </a:ext>
             </a:extLst>
           </p:cNvPr>
@@ -856,7 +856,7 @@
           <a:bodyPr/>
           <a:lstStyle/>
           <a:p>
-            <a:fld id="{99F58098-FED0-4FC2-8B42-C8EA4C9F7508}" type="datetimeFigureOut">
+            <a:fld id="{BF1D831F-2A4F-445B-A827-8B7217B10D15}" type="datetimeFigureOut">
               <a:rPr lang="zh-CN" altLang="en-US" smtClean="0"/>
               <a:t>2024/3/10</a:t>
             </a:fld>
@@ -869,7 +869,7 @@
           <p:cNvPr id="5" name="页脚占位符 4">
             <a:extLst>
               <a:ext uri="{FF2B5EF4-FFF2-40B4-BE49-F238E27FC236}">
-                <a16:creationId xmlns:a16="http://schemas.microsoft.com/office/drawing/2014/main" id="{053A138A-5234-A788-0C69-34EE4E8576A0}"/>
+                <a16:creationId xmlns:a16="http://schemas.microsoft.com/office/drawing/2014/main" id="{453400A3-6DDE-F72A-9546-0DBB61E77011}"/>
               </a:ext>
             </a:extLst>
           </p:cNvPr>
@@ -894,7 +894,7 @@
           <p:cNvPr id="6" name="灯片编号占位符 5">
             <a:extLst>
               <a:ext uri="{FF2B5EF4-FFF2-40B4-BE49-F238E27FC236}">
-                <a16:creationId xmlns:a16="http://schemas.microsoft.com/office/drawing/2014/main" id="{74B511F5-E881-705E-41CD-7F99E276E199}"/>
+                <a16:creationId xmlns:a16="http://schemas.microsoft.com/office/drawing/2014/main" id="{07B4AC6F-60E9-86AF-8055-736B14907991}"/>
               </a:ext>
             </a:extLst>
           </p:cNvPr>
@@ -910,7 +910,7 @@
           <a:bodyPr/>
           <a:lstStyle/>
           <a:p>
-            <a:fld id="{28A6C95A-EBAC-45B8-8B59-92DD1B33FDFA}" type="slidenum">
+            <a:fld id="{03EECF80-6E66-413C-A586-BC60A4771592}" type="slidenum">
               <a:rPr lang="zh-CN" altLang="en-US" smtClean="0"/>
               <a:t>‹#›</a:t>
             </a:fld>
@@ -921,7 +921,7 @@
     </p:spTree>
     <p:extLst>
       <p:ext uri="{BB962C8B-B14F-4D97-AF65-F5344CB8AC3E}">
-        <p14:creationId xmlns:p14="http://schemas.microsoft.com/office/powerpoint/2010/main" val="4186179248"/>
+        <p14:creationId xmlns:p14="http://schemas.microsoft.com/office/powerpoint/2010/main" val="3429659552"/>
       </p:ext>
     </p:extLst>
   </p:cSld>
@@ -953,7 +953,7 @@
           <p:cNvPr id="2" name="标题 1">
             <a:extLst>
               <a:ext uri="{FF2B5EF4-FFF2-40B4-BE49-F238E27FC236}">
-                <a16:creationId xmlns:a16="http://schemas.microsoft.com/office/drawing/2014/main" id="{054E8280-1C11-30CF-FDE9-2AF21863506D}"/>
+                <a16:creationId xmlns:a16="http://schemas.microsoft.com/office/drawing/2014/main" id="{A8A4428A-9FCC-E71F-BAC8-E06C7B67BB34}"/>
               </a:ext>
             </a:extLst>
           </p:cNvPr>
@@ -990,7 +990,7 @@
           <p:cNvPr id="3" name="文本占位符 2">
             <a:extLst>
               <a:ext uri="{FF2B5EF4-FFF2-40B4-BE49-F238E27FC236}">
-                <a16:creationId xmlns:a16="http://schemas.microsoft.com/office/drawing/2014/main" id="{63167D53-CF68-2E63-21DC-AEE3F75E0838}"/>
+                <a16:creationId xmlns:a16="http://schemas.microsoft.com/office/drawing/2014/main" id="{2931D862-3977-5F7B-5165-564D31955E26}"/>
               </a:ext>
             </a:extLst>
           </p:cNvPr>
@@ -1115,7 +1115,7 @@
           <p:cNvPr id="4" name="日期占位符 3">
             <a:extLst>
               <a:ext uri="{FF2B5EF4-FFF2-40B4-BE49-F238E27FC236}">
-                <a16:creationId xmlns:a16="http://schemas.microsoft.com/office/drawing/2014/main" id="{9F6C29D4-D740-C4FA-8ADD-1E2244C04FD7}"/>
+                <a16:creationId xmlns:a16="http://schemas.microsoft.com/office/drawing/2014/main" id="{81DC885C-69CC-1365-5604-9BA3DC5A739C}"/>
               </a:ext>
             </a:extLst>
           </p:cNvPr>
@@ -1131,7 +1131,7 @@
           <a:bodyPr/>
           <a:lstStyle/>
           <a:p>
-            <a:fld id="{99F58098-FED0-4FC2-8B42-C8EA4C9F7508}" type="datetimeFigureOut">
+            <a:fld id="{BF1D831F-2A4F-445B-A827-8B7217B10D15}" type="datetimeFigureOut">
               <a:rPr lang="zh-CN" altLang="en-US" smtClean="0"/>
               <a:t>2024/3/10</a:t>
             </a:fld>
@@ -1144,7 +1144,7 @@
           <p:cNvPr id="5" name="页脚占位符 4">
             <a:extLst>
               <a:ext uri="{FF2B5EF4-FFF2-40B4-BE49-F238E27FC236}">
-                <a16:creationId xmlns:a16="http://schemas.microsoft.com/office/drawing/2014/main" id="{53EC61BE-C0CF-080D-1B05-843473FF2B85}"/>
+                <a16:creationId xmlns:a16="http://schemas.microsoft.com/office/drawing/2014/main" id="{D825623F-44F4-91DF-1E35-C047752EDCA5}"/>
               </a:ext>
             </a:extLst>
           </p:cNvPr>
@@ -1169,7 +1169,7 @@
           <p:cNvPr id="6" name="灯片编号占位符 5">
             <a:extLst>
               <a:ext uri="{FF2B5EF4-FFF2-40B4-BE49-F238E27FC236}">
-                <a16:creationId xmlns:a16="http://schemas.microsoft.com/office/drawing/2014/main" id="{DD08D92E-B4C4-A1A4-B9AB-CCB569A4A73A}"/>
+                <a16:creationId xmlns:a16="http://schemas.microsoft.com/office/drawing/2014/main" id="{0FE8FBC3-998C-92AD-61B0-84106D670B0C}"/>
               </a:ext>
             </a:extLst>
           </p:cNvPr>
@@ -1185,7 +1185,7 @@
           <a:bodyPr/>
           <a:lstStyle/>
           <a:p>
-            <a:fld id="{28A6C95A-EBAC-45B8-8B59-92DD1B33FDFA}" type="slidenum">
+            <a:fld id="{03EECF80-6E66-413C-A586-BC60A4771592}" type="slidenum">
               <a:rPr lang="zh-CN" altLang="en-US" smtClean="0"/>
               <a:t>‹#›</a:t>
             </a:fld>
@@ -1196,7 +1196,7 @@
     </p:spTree>
     <p:extLst>
       <p:ext uri="{BB962C8B-B14F-4D97-AF65-F5344CB8AC3E}">
-        <p14:creationId xmlns:p14="http://schemas.microsoft.com/office/powerpoint/2010/main" val="3602190937"/>
+        <p14:creationId xmlns:p14="http://schemas.microsoft.com/office/powerpoint/2010/main" val="1615975213"/>
       </p:ext>
     </p:extLst>
   </p:cSld>
@@ -1228,7 +1228,7 @@
           <p:cNvPr id="2" name="标题 1">
             <a:extLst>
               <a:ext uri="{FF2B5EF4-FFF2-40B4-BE49-F238E27FC236}">
-                <a16:creationId xmlns:a16="http://schemas.microsoft.com/office/drawing/2014/main" id="{9086486A-644B-0AFA-DF12-91E388D9A5CC}"/>
+                <a16:creationId xmlns:a16="http://schemas.microsoft.com/office/drawing/2014/main" id="{D219518C-3441-8598-89E6-20690AA9FF40}"/>
               </a:ext>
             </a:extLst>
           </p:cNvPr>
@@ -1256,7 +1256,7 @@
           <p:cNvPr id="3" name="内容占位符 2">
             <a:extLst>
               <a:ext uri="{FF2B5EF4-FFF2-40B4-BE49-F238E27FC236}">
-                <a16:creationId xmlns:a16="http://schemas.microsoft.com/office/drawing/2014/main" id="{5A1C7593-B989-4E28-5CE0-F294FAD1BE80}"/>
+                <a16:creationId xmlns:a16="http://schemas.microsoft.com/office/drawing/2014/main" id="{D8F2BC33-C046-B995-F30C-F40A11807DC2}"/>
               </a:ext>
             </a:extLst>
           </p:cNvPr>
@@ -1318,7 +1318,7 @@
           <p:cNvPr id="4" name="内容占位符 3">
             <a:extLst>
               <a:ext uri="{FF2B5EF4-FFF2-40B4-BE49-F238E27FC236}">
-                <a16:creationId xmlns:a16="http://schemas.microsoft.com/office/drawing/2014/main" id="{77C0C3A3-5D94-D7AE-6BB7-3141E3B2B321}"/>
+                <a16:creationId xmlns:a16="http://schemas.microsoft.com/office/drawing/2014/main" id="{4226C13C-97BE-8F5F-DFC8-26EC4EDF5620}"/>
               </a:ext>
             </a:extLst>
           </p:cNvPr>
@@ -1380,7 +1380,7 @@
           <p:cNvPr id="5" name="日期占位符 4">
             <a:extLst>
               <a:ext uri="{FF2B5EF4-FFF2-40B4-BE49-F238E27FC236}">
-                <a16:creationId xmlns:a16="http://schemas.microsoft.com/office/drawing/2014/main" id="{C8EE22C2-3CCF-83DD-7181-11C584079745}"/>
+                <a16:creationId xmlns:a16="http://schemas.microsoft.com/office/drawing/2014/main" id="{C5282BE4-FBB7-DA6A-CC87-42F391319515}"/>
               </a:ext>
             </a:extLst>
           </p:cNvPr>
@@ -1396,7 +1396,7 @@
           <a:bodyPr/>
           <a:lstStyle/>
           <a:p>
-            <a:fld id="{99F58098-FED0-4FC2-8B42-C8EA4C9F7508}" type="datetimeFigureOut">
+            <a:fld id="{BF1D831F-2A4F-445B-A827-8B7217B10D15}" type="datetimeFigureOut">
               <a:rPr lang="zh-CN" altLang="en-US" smtClean="0"/>
               <a:t>2024/3/10</a:t>
             </a:fld>
@@ -1409,7 +1409,7 @@
           <p:cNvPr id="6" name="页脚占位符 5">
             <a:extLst>
               <a:ext uri="{FF2B5EF4-FFF2-40B4-BE49-F238E27FC236}">
-                <a16:creationId xmlns:a16="http://schemas.microsoft.com/office/drawing/2014/main" id="{5B01C58F-1387-8445-4A6C-8E02F858033F}"/>
+                <a16:creationId xmlns:a16="http://schemas.microsoft.com/office/drawing/2014/main" id="{2B61509F-89AE-2863-2A1D-6913C88701BE}"/>
               </a:ext>
             </a:extLst>
           </p:cNvPr>
@@ -1434,7 +1434,7 @@
           <p:cNvPr id="7" name="灯片编号占位符 6">
             <a:extLst>
               <a:ext uri="{FF2B5EF4-FFF2-40B4-BE49-F238E27FC236}">
-                <a16:creationId xmlns:a16="http://schemas.microsoft.com/office/drawing/2014/main" id="{284E81C8-A40A-815D-FF3D-BE531BB33061}"/>
+                <a16:creationId xmlns:a16="http://schemas.microsoft.com/office/drawing/2014/main" id="{F2440D2A-AA25-58D8-31D8-5A29E01085B6}"/>
               </a:ext>
             </a:extLst>
           </p:cNvPr>
@@ -1450,7 +1450,7 @@
           <a:bodyPr/>
           <a:lstStyle/>
           <a:p>
-            <a:fld id="{28A6C95A-EBAC-45B8-8B59-92DD1B33FDFA}" type="slidenum">
+            <a:fld id="{03EECF80-6E66-413C-A586-BC60A4771592}" type="slidenum">
               <a:rPr lang="zh-CN" altLang="en-US" smtClean="0"/>
               <a:t>‹#›</a:t>
             </a:fld>
@@ -1461,7 +1461,7 @@
     </p:spTree>
     <p:extLst>
       <p:ext uri="{BB962C8B-B14F-4D97-AF65-F5344CB8AC3E}">
-        <p14:creationId xmlns:p14="http://schemas.microsoft.com/office/powerpoint/2010/main" val="1490501203"/>
+        <p14:creationId xmlns:p14="http://schemas.microsoft.com/office/powerpoint/2010/main" val="3126387030"/>
       </p:ext>
     </p:extLst>
   </p:cSld>
@@ -1493,7 +1493,7 @@
           <p:cNvPr id="2" name="标题 1">
             <a:extLst>
               <a:ext uri="{FF2B5EF4-FFF2-40B4-BE49-F238E27FC236}">
-                <a16:creationId xmlns:a16="http://schemas.microsoft.com/office/drawing/2014/main" id="{16DC6E5C-3AB0-0624-78A1-9915878854CE}"/>
+                <a16:creationId xmlns:a16="http://schemas.microsoft.com/office/drawing/2014/main" id="{96D93A4C-0661-5579-8016-F389F827E81D}"/>
               </a:ext>
             </a:extLst>
           </p:cNvPr>
@@ -1526,7 +1526,7 @@
           <p:cNvPr id="3" name="文本占位符 2">
             <a:extLst>
               <a:ext uri="{FF2B5EF4-FFF2-40B4-BE49-F238E27FC236}">
-                <a16:creationId xmlns:a16="http://schemas.microsoft.com/office/drawing/2014/main" id="{CAB1EC80-1C15-F576-7D5D-A9C118DDB31D}"/>
+                <a16:creationId xmlns:a16="http://schemas.microsoft.com/office/drawing/2014/main" id="{17D836F5-82D9-A445-12E1-0DA72E14C089}"/>
               </a:ext>
             </a:extLst>
           </p:cNvPr>
@@ -1597,7 +1597,7 @@
           <p:cNvPr id="4" name="内容占位符 3">
             <a:extLst>
               <a:ext uri="{FF2B5EF4-FFF2-40B4-BE49-F238E27FC236}">
-                <a16:creationId xmlns:a16="http://schemas.microsoft.com/office/drawing/2014/main" id="{B1A08833-1F2E-B48E-B618-C439A9063F4D}"/>
+                <a16:creationId xmlns:a16="http://schemas.microsoft.com/office/drawing/2014/main" id="{79E92C68-85AE-A541-046B-8E1629B32CA6}"/>
               </a:ext>
             </a:extLst>
           </p:cNvPr>
@@ -1659,7 +1659,7 @@
           <p:cNvPr id="5" name="文本占位符 4">
             <a:extLst>
               <a:ext uri="{FF2B5EF4-FFF2-40B4-BE49-F238E27FC236}">
-                <a16:creationId xmlns:a16="http://schemas.microsoft.com/office/drawing/2014/main" id="{9A126137-DAC2-09E2-E2A9-7B8AC9128BEA}"/>
+                <a16:creationId xmlns:a16="http://schemas.microsoft.com/office/drawing/2014/main" id="{BAB22506-FF30-3B14-9369-6A44ADBF38B0}"/>
               </a:ext>
             </a:extLst>
           </p:cNvPr>
@@ -1730,7 +1730,7 @@
           <p:cNvPr id="6" name="内容占位符 5">
             <a:extLst>
               <a:ext uri="{FF2B5EF4-FFF2-40B4-BE49-F238E27FC236}">
-                <a16:creationId xmlns:a16="http://schemas.microsoft.com/office/drawing/2014/main" id="{F91D13FC-BF47-2169-83DE-0059B67008BE}"/>
+                <a16:creationId xmlns:a16="http://schemas.microsoft.com/office/drawing/2014/main" id="{6B188CED-3076-7CAB-6C4F-C0E5B139BE0C}"/>
               </a:ext>
             </a:extLst>
           </p:cNvPr>
@@ -1792,7 +1792,7 @@
           <p:cNvPr id="7" name="日期占位符 6">
             <a:extLst>
               <a:ext uri="{FF2B5EF4-FFF2-40B4-BE49-F238E27FC236}">
-                <a16:creationId xmlns:a16="http://schemas.microsoft.com/office/drawing/2014/main" id="{8442977C-977F-2D38-74B7-D80F9322404D}"/>
+                <a16:creationId xmlns:a16="http://schemas.microsoft.com/office/drawing/2014/main" id="{5D8B47FC-1591-F771-3608-5BEFE8FBF4AB}"/>
               </a:ext>
             </a:extLst>
           </p:cNvPr>
@@ -1808,7 +1808,7 @@
           <a:bodyPr/>
           <a:lstStyle/>
           <a:p>
-            <a:fld id="{99F58098-FED0-4FC2-8B42-C8EA4C9F7508}" type="datetimeFigureOut">
+            <a:fld id="{BF1D831F-2A4F-445B-A827-8B7217B10D15}" type="datetimeFigureOut">
               <a:rPr lang="zh-CN" altLang="en-US" smtClean="0"/>
               <a:t>2024/3/10</a:t>
             </a:fld>
@@ -1821,7 +1821,7 @@
           <p:cNvPr id="8" name="页脚占位符 7">
             <a:extLst>
               <a:ext uri="{FF2B5EF4-FFF2-40B4-BE49-F238E27FC236}">
-                <a16:creationId xmlns:a16="http://schemas.microsoft.com/office/drawing/2014/main" id="{26E4AA39-0DEE-ED5C-1AC1-30F5E732F4E7}"/>
+                <a16:creationId xmlns:a16="http://schemas.microsoft.com/office/drawing/2014/main" id="{FC7BCC34-AE9D-B739-ADD8-CAE9CF1A8C41}"/>
               </a:ext>
             </a:extLst>
           </p:cNvPr>
@@ -1846,7 +1846,7 @@
           <p:cNvPr id="9" name="灯片编号占位符 8">
             <a:extLst>
               <a:ext uri="{FF2B5EF4-FFF2-40B4-BE49-F238E27FC236}">
-                <a16:creationId xmlns:a16="http://schemas.microsoft.com/office/drawing/2014/main" id="{C4ADF2AA-BCB9-1412-6E9C-BBE3B61233BA}"/>
+                <a16:creationId xmlns:a16="http://schemas.microsoft.com/office/drawing/2014/main" id="{E5BF5080-E346-FA95-2CA3-48F393BC2747}"/>
               </a:ext>
             </a:extLst>
           </p:cNvPr>
@@ -1862,7 +1862,7 @@
           <a:bodyPr/>
           <a:lstStyle/>
           <a:p>
-            <a:fld id="{28A6C95A-EBAC-45B8-8B59-92DD1B33FDFA}" type="slidenum">
+            <a:fld id="{03EECF80-6E66-413C-A586-BC60A4771592}" type="slidenum">
               <a:rPr lang="zh-CN" altLang="en-US" smtClean="0"/>
               <a:t>‹#›</a:t>
             </a:fld>
@@ -1873,7 +1873,7 @@
     </p:spTree>
     <p:extLst>
       <p:ext uri="{BB962C8B-B14F-4D97-AF65-F5344CB8AC3E}">
-        <p14:creationId xmlns:p14="http://schemas.microsoft.com/office/powerpoint/2010/main" val="4039447039"/>
+        <p14:creationId xmlns:p14="http://schemas.microsoft.com/office/powerpoint/2010/main" val="2984212163"/>
       </p:ext>
     </p:extLst>
   </p:cSld>
@@ -1905,7 +1905,7 @@
           <p:cNvPr id="2" name="标题 1">
             <a:extLst>
               <a:ext uri="{FF2B5EF4-FFF2-40B4-BE49-F238E27FC236}">
-                <a16:creationId xmlns:a16="http://schemas.microsoft.com/office/drawing/2014/main" id="{F17B8217-D218-D1A3-50E4-37649B7C4E4A}"/>
+                <a16:creationId xmlns:a16="http://schemas.microsoft.com/office/drawing/2014/main" id="{332F865A-609B-3CFF-62C7-378311484B0B}"/>
               </a:ext>
             </a:extLst>
           </p:cNvPr>
@@ -1933,7 +1933,7 @@
           <p:cNvPr id="3" name="日期占位符 2">
             <a:extLst>
               <a:ext uri="{FF2B5EF4-FFF2-40B4-BE49-F238E27FC236}">
-                <a16:creationId xmlns:a16="http://schemas.microsoft.com/office/drawing/2014/main" id="{5D06F4EC-3C9F-8CC7-4FB0-95C5CD822191}"/>
+                <a16:creationId xmlns:a16="http://schemas.microsoft.com/office/drawing/2014/main" id="{1F9A57A1-8CAE-68AF-EEA4-4BFE24F221AA}"/>
               </a:ext>
             </a:extLst>
           </p:cNvPr>
@@ -1949,7 +1949,7 @@
           <a:bodyPr/>
           <a:lstStyle/>
           <a:p>
-            <a:fld id="{99F58098-FED0-4FC2-8B42-C8EA4C9F7508}" type="datetimeFigureOut">
+            <a:fld id="{BF1D831F-2A4F-445B-A827-8B7217B10D15}" type="datetimeFigureOut">
               <a:rPr lang="zh-CN" altLang="en-US" smtClean="0"/>
               <a:t>2024/3/10</a:t>
             </a:fld>
@@ -1962,7 +1962,7 @@
           <p:cNvPr id="4" name="页脚占位符 3">
             <a:extLst>
               <a:ext uri="{FF2B5EF4-FFF2-40B4-BE49-F238E27FC236}">
-                <a16:creationId xmlns:a16="http://schemas.microsoft.com/office/drawing/2014/main" id="{7692E92E-34F6-95C2-5C3D-355A5C0B09B6}"/>
+                <a16:creationId xmlns:a16="http://schemas.microsoft.com/office/drawing/2014/main" id="{63B74A1B-BF3A-791E-AA8C-5F244A28F751}"/>
               </a:ext>
             </a:extLst>
           </p:cNvPr>
@@ -1987,7 +1987,7 @@
           <p:cNvPr id="5" name="灯片编号占位符 4">
             <a:extLst>
               <a:ext uri="{FF2B5EF4-FFF2-40B4-BE49-F238E27FC236}">
-                <a16:creationId xmlns:a16="http://schemas.microsoft.com/office/drawing/2014/main" id="{9BA3C2D5-62A7-D641-D449-933B723448EA}"/>
+                <a16:creationId xmlns:a16="http://schemas.microsoft.com/office/drawing/2014/main" id="{4EF4B104-1C7D-D943-D89B-31ED9988E1F2}"/>
               </a:ext>
             </a:extLst>
           </p:cNvPr>
@@ -2003,7 +2003,7 @@
           <a:bodyPr/>
           <a:lstStyle/>
           <a:p>
-            <a:fld id="{28A6C95A-EBAC-45B8-8B59-92DD1B33FDFA}" type="slidenum">
+            <a:fld id="{03EECF80-6E66-413C-A586-BC60A4771592}" type="slidenum">
               <a:rPr lang="zh-CN" altLang="en-US" smtClean="0"/>
               <a:t>‹#›</a:t>
             </a:fld>
@@ -2014,7 +2014,7 @@
     </p:spTree>
     <p:extLst>
       <p:ext uri="{BB962C8B-B14F-4D97-AF65-F5344CB8AC3E}">
-        <p14:creationId xmlns:p14="http://schemas.microsoft.com/office/powerpoint/2010/main" val="2879419081"/>
+        <p14:creationId xmlns:p14="http://schemas.microsoft.com/office/powerpoint/2010/main" val="3761890922"/>
       </p:ext>
     </p:extLst>
   </p:cSld>
@@ -2046,7 +2046,7 @@
           <p:cNvPr id="2" name="日期占位符 1">
             <a:extLst>
               <a:ext uri="{FF2B5EF4-FFF2-40B4-BE49-F238E27FC236}">
-                <a16:creationId xmlns:a16="http://schemas.microsoft.com/office/drawing/2014/main" id="{140DF0EF-F557-E7FA-6FA9-F8A27087E969}"/>
+                <a16:creationId xmlns:a16="http://schemas.microsoft.com/office/drawing/2014/main" id="{A46DE70F-8237-0F7A-00B1-9F88CF4AFCB4}"/>
               </a:ext>
             </a:extLst>
           </p:cNvPr>
@@ -2062,7 +2062,7 @@
           <a:bodyPr/>
           <a:lstStyle/>
           <a:p>
-            <a:fld id="{99F58098-FED0-4FC2-8B42-C8EA4C9F7508}" type="datetimeFigureOut">
+            <a:fld id="{BF1D831F-2A4F-445B-A827-8B7217B10D15}" type="datetimeFigureOut">
               <a:rPr lang="zh-CN" altLang="en-US" smtClean="0"/>
               <a:t>2024/3/10</a:t>
             </a:fld>
@@ -2075,7 +2075,7 @@
           <p:cNvPr id="3" name="页脚占位符 2">
             <a:extLst>
               <a:ext uri="{FF2B5EF4-FFF2-40B4-BE49-F238E27FC236}">
-                <a16:creationId xmlns:a16="http://schemas.microsoft.com/office/drawing/2014/main" id="{BC9BC6F4-76A5-53A5-E387-60C895CBFAF7}"/>
+                <a16:creationId xmlns:a16="http://schemas.microsoft.com/office/drawing/2014/main" id="{B1D6F85C-2933-754D-7862-DDFACA3A6290}"/>
               </a:ext>
             </a:extLst>
           </p:cNvPr>
@@ -2100,7 +2100,7 @@
           <p:cNvPr id="4" name="灯片编号占位符 3">
             <a:extLst>
               <a:ext uri="{FF2B5EF4-FFF2-40B4-BE49-F238E27FC236}">
-                <a16:creationId xmlns:a16="http://schemas.microsoft.com/office/drawing/2014/main" id="{50367C1A-2E58-B732-9534-E727BB5D0486}"/>
+                <a16:creationId xmlns:a16="http://schemas.microsoft.com/office/drawing/2014/main" id="{33792BE4-85D8-32FF-AE5A-43E37F79F3ED}"/>
               </a:ext>
             </a:extLst>
           </p:cNvPr>
@@ -2116,7 +2116,7 @@
           <a:bodyPr/>
           <a:lstStyle/>
           <a:p>
-            <a:fld id="{28A6C95A-EBAC-45B8-8B59-92DD1B33FDFA}" type="slidenum">
+            <a:fld id="{03EECF80-6E66-413C-A586-BC60A4771592}" type="slidenum">
               <a:rPr lang="zh-CN" altLang="en-US" smtClean="0"/>
               <a:t>‹#›</a:t>
             </a:fld>
@@ -2127,7 +2127,7 @@
     </p:spTree>
     <p:extLst>
       <p:ext uri="{BB962C8B-B14F-4D97-AF65-F5344CB8AC3E}">
-        <p14:creationId xmlns:p14="http://schemas.microsoft.com/office/powerpoint/2010/main" val="2117232947"/>
+        <p14:creationId xmlns:p14="http://schemas.microsoft.com/office/powerpoint/2010/main" val="3967190643"/>
       </p:ext>
     </p:extLst>
   </p:cSld>
@@ -2159,7 +2159,7 @@
           <p:cNvPr id="2" name="标题 1">
             <a:extLst>
               <a:ext uri="{FF2B5EF4-FFF2-40B4-BE49-F238E27FC236}">
-                <a16:creationId xmlns:a16="http://schemas.microsoft.com/office/drawing/2014/main" id="{2BFEF7CC-A6A8-9FEA-3DB4-2CF63F719F87}"/>
+                <a16:creationId xmlns:a16="http://schemas.microsoft.com/office/drawing/2014/main" id="{5EA82A10-3AFD-C4E3-6C2B-2EB4E205A467}"/>
               </a:ext>
             </a:extLst>
           </p:cNvPr>
@@ -2196,7 +2196,7 @@
           <p:cNvPr id="3" name="内容占位符 2">
             <a:extLst>
               <a:ext uri="{FF2B5EF4-FFF2-40B4-BE49-F238E27FC236}">
-                <a16:creationId xmlns:a16="http://schemas.microsoft.com/office/drawing/2014/main" id="{7909115C-F37D-2142-B1FD-EEFA33D79192}"/>
+                <a16:creationId xmlns:a16="http://schemas.microsoft.com/office/drawing/2014/main" id="{F333ABD4-6E72-D38B-3AE0-536C37010D8C}"/>
               </a:ext>
             </a:extLst>
           </p:cNvPr>
@@ -2286,7 +2286,7 @@
           <p:cNvPr id="4" name="文本占位符 3">
             <a:extLst>
               <a:ext uri="{FF2B5EF4-FFF2-40B4-BE49-F238E27FC236}">
-                <a16:creationId xmlns:a16="http://schemas.microsoft.com/office/drawing/2014/main" id="{29FD634D-14C5-1AA3-1BCC-74338E645FC7}"/>
+                <a16:creationId xmlns:a16="http://schemas.microsoft.com/office/drawing/2014/main" id="{63CEF3B6-2F7D-30BD-26B4-5939BCC3F114}"/>
               </a:ext>
             </a:extLst>
           </p:cNvPr>
@@ -2357,7 +2357,7 @@
           <p:cNvPr id="5" name="日期占位符 4">
             <a:extLst>
               <a:ext uri="{FF2B5EF4-FFF2-40B4-BE49-F238E27FC236}">
-                <a16:creationId xmlns:a16="http://schemas.microsoft.com/office/drawing/2014/main" id="{447CFE4F-7340-0F22-7A0C-A53067F55D51}"/>
+                <a16:creationId xmlns:a16="http://schemas.microsoft.com/office/drawing/2014/main" id="{0D457ADA-EE34-9A02-DC6F-50F180776489}"/>
               </a:ext>
             </a:extLst>
           </p:cNvPr>
@@ -2373,7 +2373,7 @@
           <a:bodyPr/>
           <a:lstStyle/>
           <a:p>
-            <a:fld id="{99F58098-FED0-4FC2-8B42-C8EA4C9F7508}" type="datetimeFigureOut">
+            <a:fld id="{BF1D831F-2A4F-445B-A827-8B7217B10D15}" type="datetimeFigureOut">
               <a:rPr lang="zh-CN" altLang="en-US" smtClean="0"/>
               <a:t>2024/3/10</a:t>
             </a:fld>
@@ -2386,7 +2386,7 @@
           <p:cNvPr id="6" name="页脚占位符 5">
             <a:extLst>
               <a:ext uri="{FF2B5EF4-FFF2-40B4-BE49-F238E27FC236}">
-                <a16:creationId xmlns:a16="http://schemas.microsoft.com/office/drawing/2014/main" id="{098157FE-C8E4-4E35-179C-BD220145537C}"/>
+                <a16:creationId xmlns:a16="http://schemas.microsoft.com/office/drawing/2014/main" id="{1D4203F1-12CA-BFD6-F817-8540E56BA4D4}"/>
               </a:ext>
             </a:extLst>
           </p:cNvPr>
@@ -2411,7 +2411,7 @@
           <p:cNvPr id="7" name="灯片编号占位符 6">
             <a:extLst>
               <a:ext uri="{FF2B5EF4-FFF2-40B4-BE49-F238E27FC236}">
-                <a16:creationId xmlns:a16="http://schemas.microsoft.com/office/drawing/2014/main" id="{69785065-3836-3CAD-CFFB-4C8422C320BA}"/>
+                <a16:creationId xmlns:a16="http://schemas.microsoft.com/office/drawing/2014/main" id="{2E6014C6-AA8C-9F83-AA00-09DAE31CEA67}"/>
               </a:ext>
             </a:extLst>
           </p:cNvPr>
@@ -2427,7 +2427,7 @@
           <a:bodyPr/>
           <a:lstStyle/>
           <a:p>
-            <a:fld id="{28A6C95A-EBAC-45B8-8B59-92DD1B33FDFA}" type="slidenum">
+            <a:fld id="{03EECF80-6E66-413C-A586-BC60A4771592}" type="slidenum">
               <a:rPr lang="zh-CN" altLang="en-US" smtClean="0"/>
               <a:t>‹#›</a:t>
             </a:fld>
@@ -2438,7 +2438,7 @@
     </p:spTree>
     <p:extLst>
       <p:ext uri="{BB962C8B-B14F-4D97-AF65-F5344CB8AC3E}">
-        <p14:creationId xmlns:p14="http://schemas.microsoft.com/office/powerpoint/2010/main" val="1635498270"/>
+        <p14:creationId xmlns:p14="http://schemas.microsoft.com/office/powerpoint/2010/main" val="769633849"/>
       </p:ext>
     </p:extLst>
   </p:cSld>
@@ -2470,7 +2470,7 @@
           <p:cNvPr id="2" name="标题 1">
             <a:extLst>
               <a:ext uri="{FF2B5EF4-FFF2-40B4-BE49-F238E27FC236}">
-                <a16:creationId xmlns:a16="http://schemas.microsoft.com/office/drawing/2014/main" id="{717807F9-39AE-6449-7EF1-3512AC7343D6}"/>
+                <a16:creationId xmlns:a16="http://schemas.microsoft.com/office/drawing/2014/main" id="{71B1FCF7-CE74-E349-2912-A3D5A3182FF1}"/>
               </a:ext>
             </a:extLst>
           </p:cNvPr>
@@ -2507,7 +2507,7 @@
           <p:cNvPr id="3" name="图片占位符 2">
             <a:extLst>
               <a:ext uri="{FF2B5EF4-FFF2-40B4-BE49-F238E27FC236}">
-                <a16:creationId xmlns:a16="http://schemas.microsoft.com/office/drawing/2014/main" id="{2EC77B88-388F-4387-73B2-931173095E5F}"/>
+                <a16:creationId xmlns:a16="http://schemas.microsoft.com/office/drawing/2014/main" id="{FF6376CD-3672-667C-AE8F-C4F790F3AC7B}"/>
               </a:ext>
             </a:extLst>
           </p:cNvPr>
@@ -2574,7 +2574,7 @@
           <p:cNvPr id="4" name="文本占位符 3">
             <a:extLst>
               <a:ext uri="{FF2B5EF4-FFF2-40B4-BE49-F238E27FC236}">
-                <a16:creationId xmlns:a16="http://schemas.microsoft.com/office/drawing/2014/main" id="{63552AC4-636B-6B5C-A8A0-34DB9193E5CC}"/>
+                <a16:creationId xmlns:a16="http://schemas.microsoft.com/office/drawing/2014/main" id="{AE87A330-3B9B-F356-DF72-223BD9BC0830}"/>
               </a:ext>
             </a:extLst>
           </p:cNvPr>
@@ -2645,7 +2645,7 @@
           <p:cNvPr id="5" name="日期占位符 4">
             <a:extLst>
               <a:ext uri="{FF2B5EF4-FFF2-40B4-BE49-F238E27FC236}">
-                <a16:creationId xmlns:a16="http://schemas.microsoft.com/office/drawing/2014/main" id="{205EC001-6B8A-6EA0-DA4A-16C2BA9E5FBC}"/>
+                <a16:creationId xmlns:a16="http://schemas.microsoft.com/office/drawing/2014/main" id="{4DCB539A-E4A8-D688-B3CE-DDDF430996AB}"/>
               </a:ext>
             </a:extLst>
           </p:cNvPr>
@@ -2661,7 +2661,7 @@
           <a:bodyPr/>
           <a:lstStyle/>
           <a:p>
-            <a:fld id="{99F58098-FED0-4FC2-8B42-C8EA4C9F7508}" type="datetimeFigureOut">
+            <a:fld id="{BF1D831F-2A4F-445B-A827-8B7217B10D15}" type="datetimeFigureOut">
               <a:rPr lang="zh-CN" altLang="en-US" smtClean="0"/>
               <a:t>2024/3/10</a:t>
             </a:fld>
@@ -2674,7 +2674,7 @@
           <p:cNvPr id="6" name="页脚占位符 5">
             <a:extLst>
               <a:ext uri="{FF2B5EF4-FFF2-40B4-BE49-F238E27FC236}">
-                <a16:creationId xmlns:a16="http://schemas.microsoft.com/office/drawing/2014/main" id="{1A782055-A82A-0A95-88CF-176BD59FC976}"/>
+                <a16:creationId xmlns:a16="http://schemas.microsoft.com/office/drawing/2014/main" id="{693FF658-3442-FF1C-2ADA-191D999BB6F3}"/>
               </a:ext>
             </a:extLst>
           </p:cNvPr>
@@ -2699,7 +2699,7 @@
           <p:cNvPr id="7" name="灯片编号占位符 6">
             <a:extLst>
               <a:ext uri="{FF2B5EF4-FFF2-40B4-BE49-F238E27FC236}">
-                <a16:creationId xmlns:a16="http://schemas.microsoft.com/office/drawing/2014/main" id="{2B560683-7BB1-E982-FBDF-FE041EA46446}"/>
+                <a16:creationId xmlns:a16="http://schemas.microsoft.com/office/drawing/2014/main" id="{5C7F6162-8A89-7C24-D17B-AB24B4486FC5}"/>
               </a:ext>
             </a:extLst>
           </p:cNvPr>
@@ -2715,7 +2715,7 @@
           <a:bodyPr/>
           <a:lstStyle/>
           <a:p>
-            <a:fld id="{28A6C95A-EBAC-45B8-8B59-92DD1B33FDFA}" type="slidenum">
+            <a:fld id="{03EECF80-6E66-413C-A586-BC60A4771592}" type="slidenum">
               <a:rPr lang="zh-CN" altLang="en-US" smtClean="0"/>
               <a:t>‹#›</a:t>
             </a:fld>
@@ -2726,7 +2726,7 @@
     </p:spTree>
     <p:extLst>
       <p:ext uri="{BB962C8B-B14F-4D97-AF65-F5344CB8AC3E}">
-        <p14:creationId xmlns:p14="http://schemas.microsoft.com/office/powerpoint/2010/main" val="1124449408"/>
+        <p14:creationId xmlns:p14="http://schemas.microsoft.com/office/powerpoint/2010/main" val="2370154447"/>
       </p:ext>
     </p:extLst>
   </p:cSld>
@@ -2763,7 +2763,7 @@
           <p:cNvPr id="2" name="标题占位符 1">
             <a:extLst>
               <a:ext uri="{FF2B5EF4-FFF2-40B4-BE49-F238E27FC236}">
-                <a16:creationId xmlns:a16="http://schemas.microsoft.com/office/drawing/2014/main" id="{828F389A-2AF7-0566-A12F-03E721721B6E}"/>
+                <a16:creationId xmlns:a16="http://schemas.microsoft.com/office/drawing/2014/main" id="{85270032-09F7-270D-ACCF-50C4970548B8}"/>
               </a:ext>
             </a:extLst>
           </p:cNvPr>
@@ -2801,7 +2801,7 @@
           <p:cNvPr id="3" name="文本占位符 2">
             <a:extLst>
               <a:ext uri="{FF2B5EF4-FFF2-40B4-BE49-F238E27FC236}">
-                <a16:creationId xmlns:a16="http://schemas.microsoft.com/office/drawing/2014/main" id="{EC4646C8-CBCC-316F-9BC7-055628617AE4}"/>
+                <a16:creationId xmlns:a16="http://schemas.microsoft.com/office/drawing/2014/main" id="{DDE96E7B-AC90-185D-06CA-448BD0DA74CE}"/>
               </a:ext>
             </a:extLst>
           </p:cNvPr>
@@ -2868,7 +2868,7 @@
           <p:cNvPr id="4" name="日期占位符 3">
             <a:extLst>
               <a:ext uri="{FF2B5EF4-FFF2-40B4-BE49-F238E27FC236}">
-                <a16:creationId xmlns:a16="http://schemas.microsoft.com/office/drawing/2014/main" id="{EFA4F4B4-5599-EF69-3D5A-BEC389E91D65}"/>
+                <a16:creationId xmlns:a16="http://schemas.microsoft.com/office/drawing/2014/main" id="{704A392F-A5E8-933E-366F-744BE7B12F4A}"/>
               </a:ext>
             </a:extLst>
           </p:cNvPr>
@@ -2902,7 +2902,7 @@
             </a:lvl1pPr>
           </a:lstStyle>
           <a:p>
-            <a:fld id="{99F58098-FED0-4FC2-8B42-C8EA4C9F7508}" type="datetimeFigureOut">
+            <a:fld id="{BF1D831F-2A4F-445B-A827-8B7217B10D15}" type="datetimeFigureOut">
               <a:rPr lang="zh-CN" altLang="en-US" smtClean="0"/>
               <a:t>2024/3/10</a:t>
             </a:fld>
@@ -2915,7 +2915,7 @@
           <p:cNvPr id="5" name="页脚占位符 4">
             <a:extLst>
               <a:ext uri="{FF2B5EF4-FFF2-40B4-BE49-F238E27FC236}">
-                <a16:creationId xmlns:a16="http://schemas.microsoft.com/office/drawing/2014/main" id="{BF857D77-B1BE-85D4-574A-591045CD6482}"/>
+                <a16:creationId xmlns:a16="http://schemas.microsoft.com/office/drawing/2014/main" id="{8057CB41-2CDB-B28C-5A79-CF2392B2554A}"/>
               </a:ext>
             </a:extLst>
           </p:cNvPr>
@@ -2958,7 +2958,7 @@
           <p:cNvPr id="6" name="灯片编号占位符 5">
             <a:extLst>
               <a:ext uri="{FF2B5EF4-FFF2-40B4-BE49-F238E27FC236}">
-                <a16:creationId xmlns:a16="http://schemas.microsoft.com/office/drawing/2014/main" id="{637823FE-18B2-E901-6A5F-48D9A8B9DF18}"/>
+                <a16:creationId xmlns:a16="http://schemas.microsoft.com/office/drawing/2014/main" id="{CBACBD40-1953-D853-709E-5DD3C9E6EE24}"/>
               </a:ext>
             </a:extLst>
           </p:cNvPr>
@@ -2992,7 +2992,7 @@
             </a:lvl1pPr>
           </a:lstStyle>
           <a:p>
-            <a:fld id="{28A6C95A-EBAC-45B8-8B59-92DD1B33FDFA}" type="slidenum">
+            <a:fld id="{03EECF80-6E66-413C-A586-BC60A4771592}" type="slidenum">
               <a:rPr lang="zh-CN" altLang="en-US" smtClean="0"/>
               <a:t>‹#›</a:t>
             </a:fld>
@@ -3003,7 +3003,7 @@
     </p:spTree>
     <p:extLst>
       <p:ext uri="{BB962C8B-B14F-4D97-AF65-F5344CB8AC3E}">
-        <p14:creationId xmlns:p14="http://schemas.microsoft.com/office/powerpoint/2010/main" val="3198847850"/>
+        <p14:creationId xmlns:p14="http://schemas.microsoft.com/office/powerpoint/2010/main" val="99369508"/>
       </p:ext>
     </p:extLst>
   </p:cSld>
@@ -3323,7 +3323,7 @@
       </p:grpSpPr>
       <p:pic>
         <p:nvPicPr>
-          <p:cNvPr id="1555458" name="Picture 2" descr="1518"/>
+          <p:cNvPr id="1556482" name="Picture 2" descr="1519"/>
           <p:cNvPicPr>
             <a:picLocks noChangeAspect="1" noChangeArrowheads="1"/>
           </p:cNvPicPr>
@@ -3375,158 +3375,11 @@
           </a:extLst>
         </p:spPr>
       </p:pic>
-      <p:pic>
-        <p:nvPicPr>
-          <p:cNvPr id="1556483" name="Picture 3" descr="1518-2"/>
-          <p:cNvPicPr>
-            <a:picLocks noChangeAspect="1" noChangeArrowheads="1"/>
-          </p:cNvPicPr>
-          <p:nvPr/>
-        </p:nvPicPr>
-        <p:blipFill>
-          <a:blip r:embed="rId3">
-            <a:extLst>
-              <a:ext uri="{28A0092B-C50C-407E-A947-70E740481C1C}">
-                <a14:useLocalDpi xmlns:a14="http://schemas.microsoft.com/office/drawing/2010/main" val="0"/>
-              </a:ext>
-            </a:extLst>
-          </a:blip>
-          <a:srcRect/>
-          <a:stretch>
-            <a:fillRect/>
-          </a:stretch>
-        </p:blipFill>
-        <p:spPr bwMode="auto">
-          <a:xfrm>
-            <a:off x="1560513" y="0"/>
-            <a:ext cx="9144000" cy="6858000"/>
-          </a:xfrm>
-          <a:prstGeom prst="rect">
-            <a:avLst/>
-          </a:prstGeom>
-          <a:noFill/>
-          <a:ln>
-            <a:noFill/>
-          </a:ln>
-          <a:effectLst/>
-          <a:extLst>
-            <a:ext uri="{909E8E84-426E-40DD-AFC4-6F175D3DCCD1}">
-              <a14:hiddenFill xmlns:a14="http://schemas.microsoft.com/office/drawing/2010/main">
-                <a:solidFill>
-                  <a:srgbClr val="FFFFFF"/>
-                </a:solidFill>
-              </a14:hiddenFill>
-            </a:ext>
-            <a:ext uri="{91240B29-F687-4F45-9708-019B960494DF}">
-              <a14:hiddenLine xmlns:a14="http://schemas.microsoft.com/office/drawing/2010/main" w="9525">
-                <a:solidFill>
-                  <a:srgbClr val="000000"/>
-                </a:solidFill>
-                <a:miter lim="800000"/>
-                <a:headEnd/>
-                <a:tailEnd/>
-              </a14:hiddenLine>
-            </a:ext>
-            <a:ext uri="{AF507438-7753-43E0-B8FC-AC1667EBCBE1}">
-              <a14:hiddenEffects xmlns:a14="http://schemas.microsoft.com/office/drawing/2010/main">
-                <a:effectLst>
-                  <a:outerShdw dist="35921" dir="2700000" algn="ctr" rotWithShape="0">
-                    <a:srgbClr val="808080"/>
-                  </a:outerShdw>
-                </a:effectLst>
-              </a14:hiddenEffects>
-            </a:ext>
-          </a:extLst>
-        </p:spPr>
-      </p:pic>
     </p:spTree>
   </p:cSld>
   <p:clrMapOvr>
     <a:masterClrMapping/>
   </p:clrMapOvr>
-  <p:timing>
-    <p:tnLst>
-      <p:par>
-        <p:cTn id="1" dur="indefinite" restart="never" nodeType="tmRoot">
-          <p:childTnLst>
-            <p:seq concurrent="1" nextAc="seek">
-              <p:cTn id="2" dur="indefinite" nodeType="mainSeq">
-                <p:childTnLst>
-                  <p:par>
-                    <p:cTn id="3" fill="hold" nodeType="clickPar">
-                      <p:stCondLst>
-                        <p:cond delay="indefinite"/>
-                      </p:stCondLst>
-                      <p:childTnLst>
-                        <p:par>
-                          <p:cTn id="4" fill="hold" nodeType="withGroup">
-                            <p:stCondLst>
-                              <p:cond delay="0"/>
-                            </p:stCondLst>
-                            <p:childTnLst>
-                              <p:par>
-                                <p:cTn id="5" presetID="10" presetClass="entr" presetSubtype="0" fill="hold" nodeType="clickEffect">
-                                  <p:stCondLst>
-                                    <p:cond delay="0"/>
-                                  </p:stCondLst>
-                                  <p:childTnLst>
-                                    <p:set>
-                                      <p:cBhvr>
-                                        <p:cTn id="6" dur="1" fill="hold">
-                                          <p:stCondLst>
-                                            <p:cond delay="0"/>
-                                          </p:stCondLst>
-                                        </p:cTn>
-                                        <p:tgtEl>
-                                          <p:spTgt spid="1556483"/>
-                                        </p:tgtEl>
-                                        <p:attrNameLst>
-                                          <p:attrName>style.visibility</p:attrName>
-                                        </p:attrNameLst>
-                                      </p:cBhvr>
-                                      <p:to>
-                                        <p:strVal val="visible"/>
-                                      </p:to>
-                                    </p:set>
-                                    <p:animEffect transition="in" filter="fade">
-                                      <p:cBhvr>
-                                        <p:cTn id="7" dur="500"/>
-                                        <p:tgtEl>
-                                          <p:spTgt spid="1556483"/>
-                                        </p:tgtEl>
-                                      </p:cBhvr>
-                                    </p:animEffect>
-                                  </p:childTnLst>
-                                </p:cTn>
-                              </p:par>
-                            </p:childTnLst>
-                          </p:cTn>
-                        </p:par>
-                      </p:childTnLst>
-                    </p:cTn>
-                  </p:par>
-                </p:childTnLst>
-              </p:cTn>
-              <p:prevCondLst>
-                <p:cond evt="onPrev" delay="0">
-                  <p:tgtEl>
-                    <p:sldTgt/>
-                  </p:tgtEl>
-                </p:cond>
-              </p:prevCondLst>
-              <p:nextCondLst>
-                <p:cond evt="onNext" delay="0">
-                  <p:tgtEl>
-                    <p:sldTgt/>
-                  </p:tgtEl>
-                </p:cond>
-              </p:nextCondLst>
-            </p:seq>
-          </p:childTnLst>
-        </p:cTn>
-      </p:par>
-    </p:tnLst>
-  </p:timing>
 </p:sld>
 </file>
 
